--- a/module-05-dijkstra/slides/03-dijkstras-algorithm-the-concept.pptx
+++ b/module-05-dijkstra/slides/03-dijkstras-algorithm-the-concept.pptx
@@ -6119,6 +6119,30 @@
           </a:p>
         </p:txBody>
       </p:sp>
+      <p:pic>
+        <p:nvPicPr>
+          <p:cNvPr id="14" name="Picture 13" descr="dijkstra-step0-setup.png"/>
+          <p:cNvPicPr>
+            <a:picLocks noChangeAspect="1"/>
+          </p:cNvPicPr>
+          <p:nvPr/>
+        </p:nvPicPr>
+        <p:blipFill>
+          <a:blip r:embed="rId2"/>
+          <a:stretch>
+            <a:fillRect/>
+          </a:stretch>
+        </p:blipFill>
+        <p:spPr>
+          <a:xfrm>
+            <a:off x="1371600" y="1371600"/>
+            <a:ext cx="4572000" cy="3096591"/>
+          </a:xfrm>
+          <a:prstGeom prst="rect">
+            <a:avLst/>
+          </a:prstGeom>
+        </p:spPr>
+      </p:pic>
     </p:spTree>
   </p:cSld>
   <p:clrMapOvr>
@@ -6848,6 +6872,30 @@
           </a:p>
         </p:txBody>
       </p:sp>
+      <p:pic>
+        <p:nvPicPr>
+          <p:cNvPr id="13" name="Picture 12" descr="dijkstra-step1.png"/>
+          <p:cNvPicPr>
+            <a:picLocks noChangeAspect="1"/>
+          </p:cNvPicPr>
+          <p:nvPr/>
+        </p:nvPicPr>
+        <p:blipFill>
+          <a:blip r:embed="rId2"/>
+          <a:stretch>
+            <a:fillRect/>
+          </a:stretch>
+        </p:blipFill>
+        <p:spPr>
+          <a:xfrm>
+            <a:off x="1371600" y="1371600"/>
+            <a:ext cx="4572000" cy="3096591"/>
+          </a:xfrm>
+          <a:prstGeom prst="rect">
+            <a:avLst/>
+          </a:prstGeom>
+        </p:spPr>
+      </p:pic>
     </p:spTree>
   </p:cSld>
   <p:clrMapOvr>
@@ -7329,6 +7377,30 @@
           <a:p/>
         </p:txBody>
       </p:sp>
+      <p:pic>
+        <p:nvPicPr>
+          <p:cNvPr id="8" name="Picture 7" descr="dijkstra-final.png"/>
+          <p:cNvPicPr>
+            <a:picLocks noChangeAspect="1"/>
+          </p:cNvPicPr>
+          <p:nvPr/>
+        </p:nvPicPr>
+        <p:blipFill>
+          <a:blip r:embed="rId2"/>
+          <a:stretch>
+            <a:fillRect/>
+          </a:stretch>
+        </p:blipFill>
+        <p:spPr>
+          <a:xfrm>
+            <a:off x="1371600" y="1371600"/>
+            <a:ext cx="4572000" cy="3096591"/>
+          </a:xfrm>
+          <a:prstGeom prst="rect">
+            <a:avLst/>
+          </a:prstGeom>
+        </p:spPr>
+      </p:pic>
     </p:spTree>
   </p:cSld>
   <p:clrMapOvr>
@@ -7990,6 +8062,30 @@
           </a:p>
         </p:txBody>
       </p:sp>
+      <p:pic>
+        <p:nvPicPr>
+          <p:cNvPr id="11" name="Picture 10" descr="backpointer-path.png"/>
+          <p:cNvPicPr>
+            <a:picLocks noChangeAspect="1"/>
+          </p:cNvPicPr>
+          <p:nvPr/>
+        </p:nvPicPr>
+        <p:blipFill>
+          <a:blip r:embed="rId2"/>
+          <a:stretch>
+            <a:fillRect/>
+          </a:stretch>
+        </p:blipFill>
+        <p:spPr>
+          <a:xfrm>
+            <a:off x="1828800" y="1371600"/>
+            <a:ext cx="4114800" cy="4055165"/>
+          </a:xfrm>
+          <a:prstGeom prst="rect">
+            <a:avLst/>
+          </a:prstGeom>
+        </p:spPr>
+      </p:pic>
     </p:spTree>
   </p:cSld>
   <p:clrMapOvr>
